--- a/cai/redo-2024/Slides/09-03-python4e.06.113016.pptx
+++ b/cai/redo-2024/Slides/09-03-python4e.06.113016.pptx
@@ -5755,10 +5755,10 @@
                 <a:cs typeface="Arial" charset="0"/>
                 <a:sym typeface="Cabin"/>
               </a:rPr>
-              <a:t>We are surrounded in our daily lives with computers ranging from laptops to cell phones.  We can think of these computers as </a:t>
-            </a:r>
-            <a:r>
-              <a:rPr lang="en-US" sz="2800" u="none" strike="noStrike" cap="none">
+              <a:t>We are surrounded in our daily lives with computers ranging from laptops to cell phones.  We can think of these computers as our </a:t>
+            </a:r>
+            <a:r>
+              <a:rPr lang="en-US" sz="2800" dirty="0">
                 <a:solidFill>
                   <a:srgbClr val="FFFF00"/>
                 </a:solidFill>
@@ -5767,10 +5767,10 @@
                 <a:cs typeface="Arial" charset="0"/>
                 <a:sym typeface="Cabin"/>
               </a:rPr>
-              <a:t>our </a:t>
-            </a:r>
-            <a:r>
-              <a:rPr lang="en-US" sz="2800">
+              <a:t>“</a:t>
+            </a:r>
+            <a:r>
+              <a:rPr lang="en-US" sz="2800" u="none" strike="noStrike" cap="none" dirty="0">
                 <a:solidFill>
                   <a:srgbClr val="FFFF00"/>
                 </a:solidFill>
@@ -5779,10 +5779,10 @@
                 <a:cs typeface="Arial" charset="0"/>
                 <a:sym typeface="Cabin"/>
               </a:rPr>
-              <a:t>“</a:t>
-            </a:r>
-            <a:r>
-              <a:rPr lang="en-US" sz="2800" u="none" strike="noStrike" cap="none">
+              <a:t>personal assistants” who can take care of many things on our behalf.  The hardware in our current-day computers is essentially built to continuously ask us the question, </a:t>
+            </a:r>
+            <a:r>
+              <a:rPr lang="en-US" sz="2800" dirty="0">
                 <a:solidFill>
                   <a:srgbClr val="FFFF00"/>
                 </a:solidFill>
@@ -5791,7 +5791,7 @@
                 <a:cs typeface="Arial" charset="0"/>
                 <a:sym typeface="Cabin"/>
               </a:rPr>
-              <a:t>personal assistants” </a:t>
+              <a:t>“</a:t>
             </a:r>
             <a:r>
               <a:rPr lang="en-US" sz="2800" u="none" strike="noStrike" cap="none" dirty="0">
@@ -5803,77 +5803,8 @@
                 <a:cs typeface="Arial" charset="0"/>
                 <a:sym typeface="Cabin"/>
               </a:rPr>
-              <a:t>who can take care of many things on our behalf.  The hardware in our current-day computers is essentially built to continuously ask us the question</a:t>
-            </a:r>
-            <a:r>
-              <a:rPr lang="en-US" sz="2800" u="none" strike="noStrike" cap="none">
-                <a:solidFill>
-                  <a:srgbClr val="FFFF00"/>
-                </a:solidFill>
-                <a:latin typeface="Arial" charset="0"/>
-                <a:ea typeface="Arial" charset="0"/>
-                <a:cs typeface="Arial" charset="0"/>
-                <a:sym typeface="Cabin"/>
-              </a:rPr>
-              <a:t>, </a:t>
-            </a:r>
-            <a:r>
-              <a:rPr lang="en-US" sz="2800">
-                <a:solidFill>
-                  <a:srgbClr val="FFFF00"/>
-                </a:solidFill>
-                <a:latin typeface="Arial" charset="0"/>
-                <a:ea typeface="Arial" charset="0"/>
-                <a:cs typeface="Arial" charset="0"/>
-                <a:sym typeface="Cabin"/>
-              </a:rPr>
-              <a:t>“</a:t>
-            </a:r>
-            <a:r>
-              <a:rPr lang="en-US" sz="2800" u="none" strike="noStrike" cap="none">
-                <a:solidFill>
-                  <a:srgbClr val="FFFF00"/>
-                </a:solidFill>
-                <a:latin typeface="Arial" charset="0"/>
-                <a:ea typeface="Arial" charset="0"/>
-                <a:cs typeface="Arial" charset="0"/>
-                <a:sym typeface="Cabin"/>
-              </a:rPr>
-              <a:t>What </a:t>
-            </a:r>
-            <a:r>
-              <a:rPr lang="en-US" sz="2800" u="none" strike="noStrike" cap="none" dirty="0">
-                <a:solidFill>
-                  <a:srgbClr val="FFFF00"/>
-                </a:solidFill>
-                <a:latin typeface="Arial" charset="0"/>
-                <a:ea typeface="Arial" charset="0"/>
-                <a:cs typeface="Arial" charset="0"/>
-                <a:sym typeface="Cabin"/>
-              </a:rPr>
-              <a:t>would you like me to do </a:t>
-            </a:r>
-            <a:r>
-              <a:rPr lang="en-US" sz="2800" u="none" strike="noStrike" cap="none">
-                <a:solidFill>
-                  <a:srgbClr val="FFFF00"/>
-                </a:solidFill>
-                <a:latin typeface="Arial" charset="0"/>
-                <a:ea typeface="Arial" charset="0"/>
-                <a:cs typeface="Arial" charset="0"/>
-                <a:sym typeface="Cabin"/>
-              </a:rPr>
-              <a:t>next?”</a:t>
-            </a:r>
-            <a:endParaRPr lang="en-US" sz="2800" u="none" strike="noStrike" cap="none" dirty="0">
-              <a:solidFill>
-                <a:srgbClr val="FFFF00"/>
-              </a:solidFill>
-              <a:latin typeface="Arial" charset="0"/>
-              <a:ea typeface="Arial" charset="0"/>
-              <a:cs typeface="Arial" charset="0"/>
-              <a:sym typeface="Cabin"/>
-            </a:endParaRPr>
+              <a:t>What would you like me to do next?”</a:t>
+            </a:r>
           </a:p>
         </p:txBody>
       </p:sp>
@@ -7630,21 +7561,21 @@
                 <a:solidFill>
                   <a:schemeClr val="lt1"/>
                 </a:solidFill>
-                <a:latin typeface="Courier New"/>
-                <a:ea typeface="Courier New"/>
-                <a:cs typeface="Courier New"/>
-                <a:sym typeface="Courier New"/>
-              </a:rPr>
-              <a:t>Counts {'and': 3, 'on': 1, 'ran': 2, 'car': 3, 'into': 1, 'after': 1, 'clown': 2, 'down': 1, 'fell': 1, </a:t>
+                <a:latin typeface="Courier"/>
+                <a:ea typeface="Courier"/>
+                <a:cs typeface="Courier"/>
+                <a:sym typeface="Courier New"/>
+              </a:rPr>
+              <a:t>Counts {</a:t>
             </a:r>
             <a:r>
               <a:rPr lang="en-US" sz="2600" b="1" i="0" u="none" strike="noStrike" cap="none" dirty="0">
                 <a:solidFill>
-                  <a:srgbClr val="00FF00"/>
-                </a:solidFill>
-                <a:latin typeface="Courier New"/>
-                <a:ea typeface="Courier New"/>
-                <a:cs typeface="Courier New"/>
+                  <a:srgbClr val="02FF00"/>
+                </a:solidFill>
+                <a:latin typeface="Courier"/>
+                <a:ea typeface="Courier"/>
+                <a:cs typeface="Courier"/>
                 <a:sym typeface="Courier New"/>
               </a:rPr>
               <a:t>'the': 7</a:t>
@@ -7654,12 +7585,12 @@
                 <a:solidFill>
                   <a:schemeClr val="lt1"/>
                 </a:solidFill>
-                <a:latin typeface="Courier New"/>
-                <a:ea typeface="Courier New"/>
-                <a:cs typeface="Courier New"/>
-                <a:sym typeface="Courier New"/>
-              </a:rPr>
-              <a:t>, 'tent': 2}</a:t>
+                <a:latin typeface="Courier"/>
+                <a:ea typeface="Courier"/>
+                <a:cs typeface="Courier"/>
+                <a:sym typeface="Courier New"/>
+              </a:rPr>
+              <a:t>, 'clown': 2, 'ran': 2, 'after': 1, 'car': 3, 'and': 3, 'into': 1, 'tent': 2, 'fell': 1, 'down': 1, 'on': 1}</a:t>
             </a:r>
           </a:p>
         </p:txBody>
@@ -8728,12 +8659,12 @@
                 <a:cs typeface="Arial" charset="0"/>
                 <a:sym typeface="Cabin"/>
               </a:rPr>
-              <a:t>Counts {'and': 3, 'on': 1, 'ran': 2, 'car': 3, 'into': 1, 'after': 1, 'clown': 2, 'down': 1, 'fell': 1, </a:t>
+              <a:t>Counts {</a:t>
             </a:r>
             <a:r>
               <a:rPr lang="en-US" sz="2800" u="none" strike="noStrike" cap="none" dirty="0">
                 <a:solidFill>
-                  <a:srgbClr val="00FF00"/>
+                  <a:srgbClr val="0FF410"/>
                 </a:solidFill>
                 <a:latin typeface="Arial" charset="0"/>
                 <a:ea typeface="Arial" charset="0"/>
@@ -8752,7 +8683,7 @@
                 <a:cs typeface="Arial" charset="0"/>
                 <a:sym typeface="Cabin"/>
               </a:rPr>
-              <a:t>, 'tent': 2}</a:t>
+              <a:t>, 'clown': 2, 'ran': 2, 'after': 1, 'car': 3, 'and': 3, 'into': 1, 'tent': 2, 'fell': 1, 'down': 1, 'on': 1}</a:t>
             </a:r>
           </a:p>
         </p:txBody>
@@ -9573,7 +9504,7 @@
               <a:buNone/>
             </a:pPr>
             <a:r>
-              <a:rPr lang="en-US" sz="2400" b="1" i="0" u="none" strike="noStrike" cap="none" dirty="0" err="1">
+              <a:rPr lang="en-US" sz="2400" b="1" i="0" u="none" strike="noStrike" cap="none" dirty="0">
                 <a:solidFill>
                   <a:srgbClr val="00FFFF"/>
                 </a:solidFill>
@@ -9582,7 +9513,7 @@
                 <a:cs typeface="Courier New"/>
                 <a:sym typeface="Courier New"/>
               </a:rPr>
-              <a:t>jan</a:t>
+              <a:t>chuck</a:t>
             </a:r>
             <a:r>
               <a:rPr lang="en-US" sz="2400" b="1" i="0" u="none" strike="noStrike" cap="none" dirty="0">
@@ -9606,7 +9537,7 @@
                 <a:cs typeface="Courier New"/>
                 <a:sym typeface="Courier New"/>
               </a:rPr>
-              <a:t>100</a:t>
+              <a:t>1</a:t>
             </a:r>
           </a:p>
           <a:p>
@@ -9628,32 +9559,32 @@
               <a:buNone/>
             </a:pPr>
             <a:r>
+              <a:rPr lang="en-US" sz="2400" b="1" i="0" u="none" strike="noStrike" cap="none" dirty="0" err="1">
+                <a:solidFill>
+                  <a:srgbClr val="00FFFF"/>
+                </a:solidFill>
+                <a:latin typeface="Courier New"/>
+                <a:ea typeface="Courier New"/>
+                <a:cs typeface="Courier New"/>
+                <a:sym typeface="Courier New"/>
+              </a:rPr>
+              <a:t>fred</a:t>
+            </a:r>
+            <a:r>
               <a:rPr lang="en-US" sz="2400" b="1" i="0" u="none" strike="noStrike" cap="none" dirty="0">
                 <a:solidFill>
-                  <a:srgbClr val="00FFFF"/>
-                </a:solidFill>
-                <a:latin typeface="Courier New"/>
-                <a:ea typeface="Courier New"/>
-                <a:cs typeface="Courier New"/>
-                <a:sym typeface="Courier New"/>
-              </a:rPr>
-              <a:t>chuck</a:t>
+                  <a:schemeClr val="lt1"/>
+                </a:solidFill>
+                <a:latin typeface="Courier New"/>
+                <a:ea typeface="Courier New"/>
+                <a:cs typeface="Courier New"/>
+                <a:sym typeface="Courier New"/>
+              </a:rPr>
+              <a:t> </a:t>
             </a:r>
             <a:r>
               <a:rPr lang="en-US" sz="2400" b="1" i="0" u="none" strike="noStrike" cap="none" dirty="0">
                 <a:solidFill>
-                  <a:schemeClr val="lt1"/>
-                </a:solidFill>
-                <a:latin typeface="Courier New"/>
-                <a:ea typeface="Courier New"/>
-                <a:cs typeface="Courier New"/>
-                <a:sym typeface="Courier New"/>
-              </a:rPr>
-              <a:t> </a:t>
-            </a:r>
-            <a:r>
-              <a:rPr lang="en-US" sz="2400" b="1" i="0" u="none" strike="noStrike" cap="none" dirty="0">
-                <a:solidFill>
                   <a:srgbClr val="00FF00"/>
                 </a:solidFill>
                 <a:latin typeface="Courier New"/>
@@ -9661,26 +9592,15 @@
                 <a:cs typeface="Courier New"/>
                 <a:sym typeface="Courier New"/>
               </a:rPr>
-              <a:t>1</a:t>
-            </a:r>
-          </a:p>
-          <a:p>
-            <a:pPr marL="0" marR="0" lvl="0" indent="0" algn="l" rtl="0">
-              <a:lnSpc>
-                <a:spcPct val="100000"/>
-              </a:lnSpc>
-              <a:spcBef>
-                <a:spcPts val="0"/>
-              </a:spcBef>
-              <a:spcAft>
-                <a:spcPts val="0"/>
-              </a:spcAft>
+              <a:t>42</a:t>
+            </a:r>
+          </a:p>
+          <a:p>
+            <a:pPr>
               <a:buClr>
                 <a:srgbClr val="00FFFF"/>
               </a:buClr>
               <a:buSzPct val="25000"/>
-              <a:buFont typeface="Courier New"/>
-              <a:buNone/>
             </a:pPr>
             <a:r>
               <a:rPr lang="en-US" sz="2400" b="1" i="0" u="none" strike="noStrike" cap="none" dirty="0" err="1">
@@ -9692,7 +9612,7 @@
                 <a:cs typeface="Courier New"/>
                 <a:sym typeface="Courier New"/>
               </a:rPr>
-              <a:t>fred</a:t>
+              <a:t>jan</a:t>
             </a:r>
             <a:r>
               <a:rPr lang="en-US" sz="2400" b="1" i="0" u="none" strike="noStrike" cap="none" dirty="0">
@@ -9716,7 +9636,7 @@
                 <a:cs typeface="Courier New"/>
                 <a:sym typeface="Courier New"/>
               </a:rPr>
-              <a:t>42</a:t>
+              <a:t>100</a:t>
             </a:r>
           </a:p>
           <a:p>
@@ -10010,9 +9930,9 @@
                 <a:solidFill>
                   <a:schemeClr val="lt1"/>
                 </a:solidFill>
-                <a:latin typeface="Courier New"/>
-                <a:ea typeface="Courier New"/>
-                <a:cs typeface="Courier New"/>
+                <a:latin typeface="Courier"/>
+                <a:ea typeface="Courier"/>
+                <a:cs typeface="Courier"/>
                 <a:sym typeface="Courier New"/>
               </a:rPr>
               <a:t>&gt;&gt;&gt; </a:t>
@@ -10022,9 +9942,9 @@
                 <a:solidFill>
                   <a:schemeClr val="lt1"/>
                 </a:solidFill>
-                <a:latin typeface="Courier New"/>
-                <a:ea typeface="Courier New"/>
-                <a:cs typeface="Courier New"/>
+                <a:latin typeface="Courier"/>
+                <a:ea typeface="Courier"/>
+                <a:cs typeface="Courier"/>
                 <a:sym typeface="Courier New"/>
               </a:rPr>
               <a:t>jjj</a:t>
@@ -10034,9 +9954,9 @@
                 <a:solidFill>
                   <a:schemeClr val="lt1"/>
                 </a:solidFill>
-                <a:latin typeface="Courier New"/>
-                <a:ea typeface="Courier New"/>
-                <a:cs typeface="Courier New"/>
+                <a:latin typeface="Courier"/>
+                <a:ea typeface="Courier"/>
+                <a:cs typeface="Courier"/>
                 <a:sym typeface="Courier New"/>
               </a:rPr>
               <a:t> = { 'chuck' : 1 , '</a:t>
@@ -10046,9 +9966,9 @@
                 <a:solidFill>
                   <a:schemeClr val="lt1"/>
                 </a:solidFill>
-                <a:latin typeface="Courier New"/>
-                <a:ea typeface="Courier New"/>
-                <a:cs typeface="Courier New"/>
+                <a:latin typeface="Courier"/>
+                <a:ea typeface="Courier"/>
+                <a:cs typeface="Courier"/>
                 <a:sym typeface="Courier New"/>
               </a:rPr>
               <a:t>fred</a:t>
@@ -10058,9 +9978,9 @@
                 <a:solidFill>
                   <a:schemeClr val="lt1"/>
                 </a:solidFill>
-                <a:latin typeface="Courier New"/>
-                <a:ea typeface="Courier New"/>
-                <a:cs typeface="Courier New"/>
+                <a:latin typeface="Courier"/>
+                <a:ea typeface="Courier"/>
+                <a:cs typeface="Courier"/>
                 <a:sym typeface="Courier New"/>
               </a:rPr>
               <a:t>' : 42, '</a:t>
@@ -10070,9 +9990,9 @@
                 <a:solidFill>
                   <a:schemeClr val="lt1"/>
                 </a:solidFill>
-                <a:latin typeface="Courier New"/>
-                <a:ea typeface="Courier New"/>
-                <a:cs typeface="Courier New"/>
+                <a:latin typeface="Courier"/>
+                <a:ea typeface="Courier"/>
+                <a:cs typeface="Courier"/>
                 <a:sym typeface="Courier New"/>
               </a:rPr>
               <a:t>jan</a:t>
@@ -10082,9 +10002,9 @@
                 <a:solidFill>
                   <a:schemeClr val="lt1"/>
                 </a:solidFill>
-                <a:latin typeface="Courier New"/>
-                <a:ea typeface="Courier New"/>
-                <a:cs typeface="Courier New"/>
+                <a:latin typeface="Courier"/>
+                <a:ea typeface="Courier"/>
+                <a:cs typeface="Courier"/>
                 <a:sym typeface="Courier New"/>
               </a:rPr>
               <a:t>': 100}</a:t>
@@ -10102,9 +10022,9 @@
                 <a:solidFill>
                   <a:schemeClr val="lt1"/>
                 </a:solidFill>
-                <a:latin typeface="Courier New"/>
-                <a:ea typeface="Courier New"/>
-                <a:cs typeface="Courier New"/>
+                <a:latin typeface="Courier"/>
+                <a:ea typeface="Courier"/>
+                <a:cs typeface="Courier"/>
                 <a:sym typeface="Courier New"/>
               </a:rPr>
               <a:t>&gt;&gt;&gt; </a:t>
@@ -10114,9 +10034,9 @@
                 <a:solidFill>
                   <a:srgbClr val="FFFF00"/>
                 </a:solidFill>
-                <a:latin typeface="Courier New"/>
-                <a:ea typeface="Courier New"/>
-                <a:cs typeface="Courier New"/>
+                <a:latin typeface="Courier"/>
+                <a:ea typeface="Courier"/>
+                <a:cs typeface="Courier"/>
                 <a:sym typeface="Courier New"/>
               </a:rPr>
               <a:t>print(</a:t>
@@ -10126,9 +10046,9 @@
                 <a:solidFill>
                   <a:srgbClr val="FF00FF"/>
                 </a:solidFill>
-                <a:latin typeface="Courier New"/>
-                <a:ea typeface="Courier New"/>
-                <a:cs typeface="Courier New"/>
+                <a:latin typeface="Courier"/>
+                <a:ea typeface="Courier"/>
+                <a:cs typeface="Courier"/>
                 <a:sym typeface="Courier New"/>
               </a:rPr>
               <a:t>list</a:t>
@@ -10138,9 +10058,9 @@
                 <a:solidFill>
                   <a:schemeClr val="lt1"/>
                 </a:solidFill>
-                <a:latin typeface="Courier New"/>
-                <a:ea typeface="Courier New"/>
-                <a:cs typeface="Courier New"/>
+                <a:latin typeface="Courier"/>
+                <a:ea typeface="Courier"/>
+                <a:cs typeface="Courier"/>
                 <a:sym typeface="Courier New"/>
               </a:rPr>
               <a:t>(</a:t>
@@ -10150,9 +10070,9 @@
                 <a:solidFill>
                   <a:schemeClr val="lt1"/>
                 </a:solidFill>
-                <a:latin typeface="Courier New"/>
-                <a:ea typeface="Courier New"/>
-                <a:cs typeface="Courier New"/>
+                <a:latin typeface="Courier"/>
+                <a:ea typeface="Courier"/>
+                <a:cs typeface="Courier"/>
                 <a:sym typeface="Courier New"/>
               </a:rPr>
               <a:t>jjj</a:t>
@@ -10162,9 +10082,9 @@
                 <a:solidFill>
                   <a:schemeClr val="lt1"/>
                 </a:solidFill>
-                <a:latin typeface="Courier New"/>
-                <a:ea typeface="Courier New"/>
-                <a:cs typeface="Courier New"/>
+                <a:latin typeface="Courier"/>
+                <a:ea typeface="Courier"/>
+                <a:cs typeface="Courier"/>
                 <a:sym typeface="Courier New"/>
               </a:rPr>
               <a:t>)</a:t>
@@ -10174,9 +10094,9 @@
                 <a:solidFill>
                   <a:srgbClr val="FFFF00"/>
                 </a:solidFill>
-                <a:latin typeface="Courier New"/>
-                <a:ea typeface="Courier New"/>
-                <a:cs typeface="Courier New"/>
+                <a:latin typeface="Courier"/>
+                <a:ea typeface="Courier"/>
+                <a:cs typeface="Courier"/>
                 <a:sym typeface="Courier New"/>
               </a:rPr>
               <a:t>)</a:t>
@@ -10185,9 +10105,9 @@
               <a:solidFill>
                 <a:srgbClr val="FFFF00"/>
               </a:solidFill>
-              <a:latin typeface="Courier New"/>
-              <a:ea typeface="Courier New"/>
-              <a:cs typeface="Courier New"/>
+              <a:latin typeface="Courier"/>
+              <a:ea typeface="Courier"/>
+              <a:cs typeface="Courier"/>
               <a:sym typeface="Courier New"/>
             </a:endParaRPr>
           </a:p>
@@ -10214,60 +10134,72 @@
                 <a:solidFill>
                   <a:srgbClr val="00FF00"/>
                 </a:solidFill>
-                <a:latin typeface="Courier New"/>
-                <a:ea typeface="Courier New"/>
-                <a:cs typeface="Courier New"/>
-                <a:sym typeface="Courier New"/>
-              </a:rPr>
-              <a:t>['</a:t>
+                <a:latin typeface="Courier"/>
+                <a:ea typeface="Courier"/>
+                <a:cs typeface="Courier"/>
+                <a:sym typeface="Courier New"/>
+              </a:rPr>
+              <a:t>['chuck', '</a:t>
             </a:r>
             <a:r>
               <a:rPr lang="en-US" sz="2500" b="1" i="0" u="none" strike="noStrike" cap="none" dirty="0" err="1">
                 <a:solidFill>
                   <a:srgbClr val="00FF00"/>
                 </a:solidFill>
-                <a:latin typeface="Courier New"/>
-                <a:ea typeface="Courier New"/>
-                <a:cs typeface="Courier New"/>
+                <a:latin typeface="Courier"/>
+                <a:ea typeface="Courier"/>
+                <a:cs typeface="Courier"/>
+                <a:sym typeface="Courier New"/>
+              </a:rPr>
+              <a:t>fred</a:t>
+            </a:r>
+            <a:r>
+              <a:rPr lang="en-US" sz="2500" b="1" i="0" u="none" strike="noStrike" cap="none" dirty="0">
+                <a:solidFill>
+                  <a:srgbClr val="00FF00"/>
+                </a:solidFill>
+                <a:latin typeface="Courier"/>
+                <a:ea typeface="Courier"/>
+                <a:cs typeface="Courier"/>
+                <a:sym typeface="Courier New"/>
+              </a:rPr>
+              <a:t>', '</a:t>
+            </a:r>
+            <a:r>
+              <a:rPr lang="en-US" sz="2500" b="1" i="0" u="none" strike="noStrike" cap="none" dirty="0" err="1">
+                <a:solidFill>
+                  <a:srgbClr val="00FF00"/>
+                </a:solidFill>
+                <a:latin typeface="Courier"/>
+                <a:ea typeface="Courier"/>
+                <a:cs typeface="Courier"/>
                 <a:sym typeface="Courier New"/>
               </a:rPr>
               <a:t>jan</a:t>
             </a:r>
             <a:r>
+              <a:rPr lang="en-US" sz="2500" b="1" dirty="0">
+                <a:solidFill>
+                  <a:srgbClr val="00FF00"/>
+                </a:solidFill>
+                <a:latin typeface="Courier"/>
+                <a:ea typeface="Courier"/>
+                <a:cs typeface="Courier"/>
+                <a:sym typeface="Courier New"/>
+              </a:rPr>
+              <a:t>'</a:t>
+            </a:r>
+            <a:r>
               <a:rPr lang="en-US" sz="2500" b="1" i="0" u="none" strike="noStrike" cap="none" dirty="0">
                 <a:solidFill>
                   <a:srgbClr val="00FF00"/>
                 </a:solidFill>
-                <a:latin typeface="Courier New"/>
-                <a:ea typeface="Courier New"/>
-                <a:cs typeface="Courier New"/>
-                <a:sym typeface="Courier New"/>
-              </a:rPr>
-              <a:t>', 'chuck', '</a:t>
-            </a:r>
-            <a:r>
-              <a:rPr lang="en-US" sz="2500" b="1" i="0" u="none" strike="noStrike" cap="none" dirty="0" err="1">
-                <a:solidFill>
-                  <a:srgbClr val="00FF00"/>
-                </a:solidFill>
-                <a:latin typeface="Courier New"/>
-                <a:ea typeface="Courier New"/>
-                <a:cs typeface="Courier New"/>
-                <a:sym typeface="Courier New"/>
-              </a:rPr>
-              <a:t>fred</a:t>
-            </a:r>
-            <a:r>
-              <a:rPr lang="en-US" sz="2500" b="1" i="0" u="none" strike="noStrike" cap="none" dirty="0">
-                <a:solidFill>
-                  <a:srgbClr val="00FF00"/>
-                </a:solidFill>
-                <a:latin typeface="Courier New"/>
-                <a:ea typeface="Courier New"/>
-                <a:cs typeface="Courier New"/>
-                <a:sym typeface="Courier New"/>
-              </a:rPr>
-              <a:t>']</a:t>
+                <a:latin typeface="Courier"/>
+                <a:ea typeface="Courier"/>
+                <a:cs typeface="Courier"/>
+                <a:sym typeface="Courier New"/>
+              </a:rPr>
+              <a:t>]</a:t>
             </a:r>
           </a:p>
           <a:p>
@@ -10282,9 +10214,9 @@
                 <a:solidFill>
                   <a:schemeClr val="lt1"/>
                 </a:solidFill>
-                <a:latin typeface="Courier New"/>
-                <a:ea typeface="Courier New"/>
-                <a:cs typeface="Courier New"/>
+                <a:latin typeface="Courier"/>
+                <a:ea typeface="Courier"/>
+                <a:cs typeface="Courier"/>
                 <a:sym typeface="Courier New"/>
               </a:rPr>
               <a:t>&gt;&gt;&gt; </a:t>
@@ -10294,21 +10226,21 @@
                 <a:solidFill>
                   <a:srgbClr val="FFFF00"/>
                 </a:solidFill>
-                <a:latin typeface="Courier New"/>
-                <a:ea typeface="Courier New"/>
-                <a:cs typeface="Courier New"/>
-                <a:sym typeface="Courier New"/>
-              </a:rPr>
-              <a:t>print(</a:t>
+                <a:latin typeface="Courier"/>
+                <a:ea typeface="Courier"/>
+                <a:cs typeface="Courier"/>
+                <a:sym typeface="Courier New"/>
+              </a:rPr>
+              <a:t>print(list(</a:t>
             </a:r>
             <a:r>
               <a:rPr lang="en-US" sz="2500" b="1" i="0" u="none" strike="noStrike" cap="none" dirty="0" err="1">
                 <a:solidFill>
                   <a:schemeClr val="lt1"/>
                 </a:solidFill>
-                <a:latin typeface="Courier New"/>
-                <a:ea typeface="Courier New"/>
-                <a:cs typeface="Courier New"/>
+                <a:latin typeface="Courier"/>
+                <a:ea typeface="Courier"/>
+                <a:cs typeface="Courier"/>
                 <a:sym typeface="Courier New"/>
               </a:rPr>
               <a:t>jjj.</a:t>
@@ -10318,9 +10250,9 @@
                 <a:solidFill>
                   <a:srgbClr val="FF00FF"/>
                 </a:solidFill>
-                <a:latin typeface="Courier New"/>
-                <a:ea typeface="Courier New"/>
-                <a:cs typeface="Courier New"/>
+                <a:latin typeface="Courier"/>
+                <a:ea typeface="Courier"/>
+                <a:cs typeface="Courier"/>
                 <a:sym typeface="Courier New"/>
               </a:rPr>
               <a:t>keys</a:t>
@@ -10330,21 +10262,33 @@
                 <a:solidFill>
                   <a:srgbClr val="FF00FF"/>
                 </a:solidFill>
-                <a:latin typeface="Courier New"/>
-                <a:ea typeface="Courier New"/>
-                <a:cs typeface="Courier New"/>
+                <a:latin typeface="Courier"/>
+                <a:ea typeface="Courier"/>
+                <a:cs typeface="Courier"/>
                 <a:sym typeface="Courier New"/>
               </a:rPr>
               <a:t>()</a:t>
             </a:r>
             <a:r>
+              <a:rPr lang="en-US" sz="2500" b="1" i="0" u="none" strike="noStrike" cap="none" dirty="0">
+                <a:solidFill>
+                  <a:srgbClr val="FFFF00"/>
+                </a:solidFill>
+                <a:latin typeface="Courier"/>
+                <a:ea typeface="Courier"/>
+                <a:cs typeface="Courier"/>
+                <a:sym typeface="Courier New"/>
+              </a:rPr>
+              <a:t>)</a:t>
+            </a:r>
+            <a:r>
               <a:rPr lang="en-US" sz="2500" b="1" dirty="0">
                 <a:solidFill>
                   <a:srgbClr val="FFFF00"/>
                 </a:solidFill>
-                <a:latin typeface="Courier New"/>
-                <a:ea typeface="Courier New"/>
-                <a:cs typeface="Courier New"/>
+                <a:latin typeface="Courier"/>
+                <a:ea typeface="Courier"/>
+                <a:cs typeface="Courier"/>
                 <a:sym typeface="Courier New"/>
               </a:rPr>
               <a:t>)</a:t>
@@ -10353,9 +10297,9 @@
               <a:solidFill>
                 <a:srgbClr val="FF00FF"/>
               </a:solidFill>
-              <a:latin typeface="Courier New"/>
-              <a:ea typeface="Courier New"/>
-              <a:cs typeface="Courier New"/>
+              <a:latin typeface="Courier"/>
+              <a:ea typeface="Courier"/>
+              <a:cs typeface="Courier"/>
               <a:sym typeface="Courier New"/>
             </a:endParaRPr>
           </a:p>
@@ -10382,21 +10326,45 @@
                 <a:solidFill>
                   <a:srgbClr val="00FF00"/>
                 </a:solidFill>
-                <a:latin typeface="Courier New"/>
-                <a:ea typeface="Courier New"/>
-                <a:cs typeface="Courier New"/>
-                <a:sym typeface="Courier New"/>
-              </a:rPr>
-              <a:t>['</a:t>
+                <a:latin typeface="Courier"/>
+                <a:ea typeface="Courier"/>
+                <a:cs typeface="Courier"/>
+                <a:sym typeface="Courier New"/>
+              </a:rPr>
+              <a:t>['chuck', '</a:t>
             </a:r>
             <a:r>
               <a:rPr lang="en-US" sz="2500" b="1" i="0" u="none" strike="noStrike" cap="none" dirty="0" err="1">
                 <a:solidFill>
                   <a:srgbClr val="00FF00"/>
                 </a:solidFill>
-                <a:latin typeface="Courier New"/>
-                <a:ea typeface="Courier New"/>
-                <a:cs typeface="Courier New"/>
+                <a:latin typeface="Courier"/>
+                <a:ea typeface="Courier"/>
+                <a:cs typeface="Courier"/>
+                <a:sym typeface="Courier New"/>
+              </a:rPr>
+              <a:t>fred</a:t>
+            </a:r>
+            <a:r>
+              <a:rPr lang="en-US" sz="2500" b="1" i="0" u="none" strike="noStrike" cap="none" dirty="0">
+                <a:solidFill>
+                  <a:srgbClr val="00FF00"/>
+                </a:solidFill>
+                <a:latin typeface="Courier"/>
+                <a:ea typeface="Courier"/>
+                <a:cs typeface="Courier"/>
+                <a:sym typeface="Courier New"/>
+              </a:rPr>
+              <a:t>', '</a:t>
+            </a:r>
+            <a:r>
+              <a:rPr lang="en-US" sz="2500" b="1" i="0" u="none" strike="noStrike" cap="none" dirty="0" err="1">
+                <a:solidFill>
+                  <a:srgbClr val="00FF00"/>
+                </a:solidFill>
+                <a:latin typeface="Courier"/>
+                <a:ea typeface="Courier"/>
+                <a:cs typeface="Courier"/>
                 <a:sym typeface="Courier New"/>
               </a:rPr>
               <a:t>jan</a:t>
@@ -10406,33 +10374,9 @@
                 <a:solidFill>
                   <a:srgbClr val="00FF00"/>
                 </a:solidFill>
-                <a:latin typeface="Courier New"/>
-                <a:ea typeface="Courier New"/>
-                <a:cs typeface="Courier New"/>
-                <a:sym typeface="Courier New"/>
-              </a:rPr>
-              <a:t>', 'chuck', '</a:t>
-            </a:r>
-            <a:r>
-              <a:rPr lang="en-US" sz="2500" b="1" i="0" u="none" strike="noStrike" cap="none" dirty="0" err="1">
-                <a:solidFill>
-                  <a:srgbClr val="00FF00"/>
-                </a:solidFill>
-                <a:latin typeface="Courier New"/>
-                <a:ea typeface="Courier New"/>
-                <a:cs typeface="Courier New"/>
-                <a:sym typeface="Courier New"/>
-              </a:rPr>
-              <a:t>fred</a:t>
-            </a:r>
-            <a:r>
-              <a:rPr lang="en-US" sz="2500" b="1" i="0" u="none" strike="noStrike" cap="none" dirty="0">
-                <a:solidFill>
-                  <a:srgbClr val="00FF00"/>
-                </a:solidFill>
-                <a:latin typeface="Courier New"/>
-                <a:ea typeface="Courier New"/>
-                <a:cs typeface="Courier New"/>
+                <a:latin typeface="Courier"/>
+                <a:ea typeface="Courier"/>
+                <a:cs typeface="Courier"/>
                 <a:sym typeface="Courier New"/>
               </a:rPr>
               <a:t>']</a:t>
@@ -10450,9 +10394,9 @@
                 <a:solidFill>
                   <a:schemeClr val="lt1"/>
                 </a:solidFill>
-                <a:latin typeface="Courier New"/>
-                <a:ea typeface="Courier New"/>
-                <a:cs typeface="Courier New"/>
+                <a:latin typeface="Courier"/>
+                <a:ea typeface="Courier"/>
+                <a:cs typeface="Courier"/>
                 <a:sym typeface="Courier New"/>
               </a:rPr>
               <a:t>&gt;&gt;&gt; </a:t>
@@ -10462,21 +10406,21 @@
                 <a:solidFill>
                   <a:srgbClr val="FFFF00"/>
                 </a:solidFill>
-                <a:latin typeface="Courier New"/>
-                <a:ea typeface="Courier New"/>
-                <a:cs typeface="Courier New"/>
-                <a:sym typeface="Courier New"/>
-              </a:rPr>
-              <a:t>print(</a:t>
+                <a:latin typeface="Courier"/>
+                <a:ea typeface="Courier"/>
+                <a:cs typeface="Courier"/>
+                <a:sym typeface="Courier New"/>
+              </a:rPr>
+              <a:t>print(list(</a:t>
             </a:r>
             <a:r>
               <a:rPr lang="en-US" sz="2500" b="1" i="0" u="none" strike="noStrike" cap="none" dirty="0" err="1">
                 <a:solidFill>
                   <a:schemeClr val="lt1"/>
                 </a:solidFill>
-                <a:latin typeface="Courier New"/>
-                <a:ea typeface="Courier New"/>
-                <a:cs typeface="Courier New"/>
+                <a:latin typeface="Courier"/>
+                <a:ea typeface="Courier"/>
+                <a:cs typeface="Courier"/>
                 <a:sym typeface="Courier New"/>
               </a:rPr>
               <a:t>jjj.</a:t>
@@ -10486,9 +10430,9 @@
                 <a:solidFill>
                   <a:srgbClr val="FF00FF"/>
                 </a:solidFill>
-                <a:latin typeface="Courier New"/>
-                <a:ea typeface="Courier New"/>
-                <a:cs typeface="Courier New"/>
+                <a:latin typeface="Courier"/>
+                <a:ea typeface="Courier"/>
+                <a:cs typeface="Courier"/>
                 <a:sym typeface="Courier New"/>
               </a:rPr>
               <a:t>values</a:t>
@@ -10498,21 +10442,21 @@
                 <a:solidFill>
                   <a:srgbClr val="FF00FF"/>
                 </a:solidFill>
-                <a:latin typeface="Courier New"/>
-                <a:ea typeface="Courier New"/>
-                <a:cs typeface="Courier New"/>
-                <a:sym typeface="Courier New"/>
-              </a:rPr>
-              <a:t>()</a:t>
+                <a:latin typeface="Courier"/>
+                <a:ea typeface="Courier"/>
+                <a:cs typeface="Courier"/>
+                <a:sym typeface="Courier New"/>
+              </a:rPr>
+              <a:t>())</a:t>
             </a:r>
             <a:r>
               <a:rPr lang="en-US" sz="2500" b="1" dirty="0">
                 <a:solidFill>
                   <a:srgbClr val="FFFF00"/>
                 </a:solidFill>
-                <a:latin typeface="Courier New"/>
-                <a:ea typeface="Courier New"/>
-                <a:cs typeface="Courier New"/>
+                <a:latin typeface="Courier"/>
+                <a:ea typeface="Courier"/>
+                <a:cs typeface="Courier"/>
                 <a:sym typeface="Courier New"/>
               </a:rPr>
               <a:t>)</a:t>
@@ -10521,9 +10465,9 @@
               <a:solidFill>
                 <a:srgbClr val="FF00FF"/>
               </a:solidFill>
-              <a:latin typeface="Courier New"/>
-              <a:ea typeface="Courier New"/>
-              <a:cs typeface="Courier New"/>
+              <a:latin typeface="Courier"/>
+              <a:ea typeface="Courier"/>
+              <a:cs typeface="Courier"/>
               <a:sym typeface="Courier New"/>
             </a:endParaRPr>
           </a:p>
@@ -10550,12 +10494,12 @@
                 <a:solidFill>
                   <a:srgbClr val="FF00FF"/>
                 </a:solidFill>
-                <a:latin typeface="Courier New"/>
-                <a:ea typeface="Courier New"/>
-                <a:cs typeface="Courier New"/>
-                <a:sym typeface="Courier New"/>
-              </a:rPr>
-              <a:t>[100, 1, 42]</a:t>
+                <a:latin typeface="Courier"/>
+                <a:ea typeface="Courier"/>
+                <a:cs typeface="Courier"/>
+                <a:sym typeface="Courier New"/>
+              </a:rPr>
+              <a:t>[1, 42, 100]</a:t>
             </a:r>
           </a:p>
           <a:p>
@@ -10570,9 +10514,9 @@
                 <a:solidFill>
                   <a:schemeClr val="lt1"/>
                 </a:solidFill>
-                <a:latin typeface="Courier New"/>
-                <a:ea typeface="Courier New"/>
-                <a:cs typeface="Courier New"/>
+                <a:latin typeface="Courier"/>
+                <a:ea typeface="Courier"/>
+                <a:cs typeface="Courier"/>
                 <a:sym typeface="Courier New"/>
               </a:rPr>
               <a:t>&gt;&gt;&gt; </a:t>
@@ -10582,21 +10526,21 @@
                 <a:solidFill>
                   <a:srgbClr val="FFFF00"/>
                 </a:solidFill>
-                <a:latin typeface="Courier New"/>
-                <a:ea typeface="Courier New"/>
-                <a:cs typeface="Courier New"/>
-                <a:sym typeface="Courier New"/>
-              </a:rPr>
-              <a:t>print(</a:t>
+                <a:latin typeface="Courier"/>
+                <a:ea typeface="Courier"/>
+                <a:cs typeface="Courier"/>
+                <a:sym typeface="Courier New"/>
+              </a:rPr>
+              <a:t>print(list(</a:t>
             </a:r>
             <a:r>
               <a:rPr lang="en-US" sz="2500" b="1" i="0" u="none" strike="noStrike" cap="none" dirty="0" err="1">
                 <a:solidFill>
                   <a:schemeClr val="lt1"/>
                 </a:solidFill>
-                <a:latin typeface="Courier New"/>
-                <a:ea typeface="Courier New"/>
-                <a:cs typeface="Courier New"/>
+                <a:latin typeface="Courier"/>
+                <a:ea typeface="Courier"/>
+                <a:cs typeface="Courier"/>
                 <a:sym typeface="Courier New"/>
               </a:rPr>
               <a:t>jjj.</a:t>
@@ -10606,9 +10550,9 @@
                 <a:solidFill>
                   <a:srgbClr val="FF7F00"/>
                 </a:solidFill>
-                <a:latin typeface="Courier New"/>
-                <a:ea typeface="Courier New"/>
-                <a:cs typeface="Courier New"/>
+                <a:latin typeface="Courier"/>
+                <a:ea typeface="Courier"/>
+                <a:cs typeface="Courier"/>
                 <a:sym typeface="Courier New"/>
               </a:rPr>
               <a:t>items</a:t>
@@ -10618,9 +10562,9 @@
                 <a:solidFill>
                   <a:srgbClr val="FF7F00"/>
                 </a:solidFill>
-                <a:latin typeface="Courier New"/>
-                <a:ea typeface="Courier New"/>
-                <a:cs typeface="Courier New"/>
+                <a:latin typeface="Courier"/>
+                <a:ea typeface="Courier"/>
+                <a:cs typeface="Courier"/>
                 <a:sym typeface="Courier New"/>
               </a:rPr>
               <a:t>()</a:t>
@@ -10630,20 +10574,20 @@
                 <a:solidFill>
                   <a:srgbClr val="FFFF00"/>
                 </a:solidFill>
-                <a:latin typeface="Courier New"/>
-                <a:ea typeface="Courier New"/>
-                <a:cs typeface="Courier New"/>
-                <a:sym typeface="Courier New"/>
-              </a:rPr>
-              <a:t>)</a:t>
+                <a:latin typeface="Courier"/>
+                <a:ea typeface="Courier"/>
+                <a:cs typeface="Courier"/>
+                <a:sym typeface="Courier New"/>
+              </a:rPr>
+              <a:t>))</a:t>
             </a:r>
             <a:endParaRPr lang="en-US" sz="2500" b="1" i="0" u="none" strike="noStrike" cap="none" dirty="0">
               <a:solidFill>
                 <a:srgbClr val="FF7F00"/>
               </a:solidFill>
-              <a:latin typeface="Courier New"/>
-              <a:ea typeface="Courier New"/>
-              <a:cs typeface="Courier New"/>
+              <a:latin typeface="Courier"/>
+              <a:ea typeface="Courier"/>
+              <a:cs typeface="Courier"/>
               <a:sym typeface="Courier New"/>
             </a:endParaRPr>
           </a:p>
@@ -10670,21 +10614,45 @@
                 <a:solidFill>
                   <a:srgbClr val="FF7F00"/>
                 </a:solidFill>
-                <a:latin typeface="Courier New"/>
-                <a:ea typeface="Courier New"/>
-                <a:cs typeface="Courier New"/>
-                <a:sym typeface="Courier New"/>
-              </a:rPr>
-              <a:t>[('</a:t>
+                <a:latin typeface="Courier"/>
+                <a:ea typeface="Courier"/>
+                <a:cs typeface="Courier"/>
+                <a:sym typeface="Courier New"/>
+              </a:rPr>
+              <a:t>[('chuck', 1), ('</a:t>
             </a:r>
             <a:r>
               <a:rPr lang="en-US" sz="2500" b="1" i="0" u="none" strike="noStrike" cap="none" dirty="0" err="1">
                 <a:solidFill>
                   <a:srgbClr val="FF7F00"/>
                 </a:solidFill>
-                <a:latin typeface="Courier New"/>
-                <a:ea typeface="Courier New"/>
-                <a:cs typeface="Courier New"/>
+                <a:latin typeface="Courier"/>
+                <a:ea typeface="Courier"/>
+                <a:cs typeface="Courier"/>
+                <a:sym typeface="Courier New"/>
+              </a:rPr>
+              <a:t>fred</a:t>
+            </a:r>
+            <a:r>
+              <a:rPr lang="en-US" sz="2500" b="1" i="0" u="none" strike="noStrike" cap="none" dirty="0">
+                <a:solidFill>
+                  <a:srgbClr val="FF7F00"/>
+                </a:solidFill>
+                <a:latin typeface="Courier"/>
+                <a:ea typeface="Courier"/>
+                <a:cs typeface="Courier"/>
+                <a:sym typeface="Courier New"/>
+              </a:rPr>
+              <a:t>', 42), ('</a:t>
+            </a:r>
+            <a:r>
+              <a:rPr lang="en-US" sz="2500" b="1" i="0" u="none" strike="noStrike" cap="none" dirty="0" err="1">
+                <a:solidFill>
+                  <a:srgbClr val="FF7F00"/>
+                </a:solidFill>
+                <a:latin typeface="Courier"/>
+                <a:ea typeface="Courier"/>
+                <a:cs typeface="Courier"/>
                 <a:sym typeface="Courier New"/>
               </a:rPr>
               <a:t>jan</a:t>
@@ -10694,36 +10662,12 @@
                 <a:solidFill>
                   <a:srgbClr val="FF7F00"/>
                 </a:solidFill>
-                <a:latin typeface="Courier New"/>
-                <a:ea typeface="Courier New"/>
-                <a:cs typeface="Courier New"/>
-                <a:sym typeface="Courier New"/>
-              </a:rPr>
-              <a:t>', 100), ('chuck', 1), ('</a:t>
-            </a:r>
-            <a:r>
-              <a:rPr lang="en-US" sz="2500" b="1" i="0" u="none" strike="noStrike" cap="none" dirty="0" err="1">
-                <a:solidFill>
-                  <a:srgbClr val="FF7F00"/>
-                </a:solidFill>
-                <a:latin typeface="Courier New"/>
-                <a:ea typeface="Courier New"/>
-                <a:cs typeface="Courier New"/>
-                <a:sym typeface="Courier New"/>
-              </a:rPr>
-              <a:t>fred</a:t>
-            </a:r>
-            <a:r>
-              <a:rPr lang="en-US" sz="2500" b="1" i="0" u="none" strike="noStrike" cap="none" dirty="0">
-                <a:solidFill>
-                  <a:srgbClr val="FF7F00"/>
-                </a:solidFill>
-                <a:latin typeface="Courier New"/>
-                <a:ea typeface="Courier New"/>
-                <a:cs typeface="Courier New"/>
-                <a:sym typeface="Courier New"/>
-              </a:rPr>
-              <a:t>', 42)]</a:t>
+                <a:latin typeface="Courier"/>
+                <a:ea typeface="Courier"/>
+                <a:cs typeface="Courier"/>
+                <a:sym typeface="Courier New"/>
+              </a:rPr>
+              <a:t>', 100)]</a:t>
             </a:r>
           </a:p>
           <a:p>
@@ -10749,9 +10693,9 @@
                 <a:solidFill>
                   <a:schemeClr val="lt1"/>
                 </a:solidFill>
-                <a:latin typeface="Courier New"/>
-                <a:ea typeface="Courier New"/>
-                <a:cs typeface="Courier New"/>
+                <a:latin typeface="Courier"/>
+                <a:ea typeface="Courier"/>
+                <a:cs typeface="Courier"/>
                 <a:sym typeface="Courier New"/>
               </a:rPr>
               <a:t>&gt;&gt;&gt; </a:t>
@@ -10802,7 +10746,7 @@
               <a:buNone/>
             </a:pPr>
             <a:r>
-              <a:rPr lang="en-US" sz="3400" u="none" strike="noStrike" cap="none">
+              <a:rPr lang="en-US" sz="3400" u="none" strike="noStrike" cap="none" dirty="0">
                 <a:solidFill>
                   <a:schemeClr val="lt1"/>
                 </a:solidFill>
@@ -10814,7 +10758,7 @@
               <a:t>What is a </a:t>
             </a:r>
             <a:r>
-              <a:rPr lang="en-US" sz="3400">
+              <a:rPr lang="en-US" sz="3400" dirty="0">
                 <a:solidFill>
                   <a:schemeClr val="lt1"/>
                 </a:solidFill>
@@ -10826,7 +10770,7 @@
               <a:t>“</a:t>
             </a:r>
             <a:r>
-              <a:rPr lang="en-US" sz="3400" u="none" strike="noStrike" cap="none">
+              <a:rPr lang="en-US" sz="3400" u="none" strike="noStrike" cap="none" dirty="0">
                 <a:solidFill>
                   <a:schemeClr val="lt1"/>
                 </a:solidFill>
@@ -10835,19 +10779,7 @@
                 <a:cs typeface="Arial" charset="0"/>
                 <a:sym typeface="Cabin"/>
               </a:rPr>
-              <a:t>tuple”? </a:t>
-            </a:r>
-            <a:r>
-              <a:rPr lang="en-US" sz="3400" u="none" strike="noStrike" cap="none" dirty="0">
-                <a:solidFill>
-                  <a:schemeClr val="lt1"/>
-                </a:solidFill>
-                <a:latin typeface="Arial" charset="0"/>
-                <a:ea typeface="Arial" charset="0"/>
-                <a:cs typeface="Arial" charset="0"/>
-                <a:sym typeface="Cabin"/>
-              </a:rPr>
-              <a:t>- coming soon...</a:t>
+              <a:t>tuple”? - coming soon...</a:t>
             </a:r>
           </a:p>
         </p:txBody>
@@ -10855,13 +10787,15 @@
       <p:cxnSp>
         <p:nvCxnSpPr>
           <p:cNvPr id="467" name="Shape 467"/>
-          <p:cNvCxnSpPr/>
+          <p:cNvCxnSpPr>
+            <a:cxnSpLocks/>
+          </p:cNvCxnSpPr>
           <p:nvPr/>
         </p:nvCxnSpPr>
         <p:spPr>
           <a:xfrm>
-            <a:off x="10201479" y="6044504"/>
-            <a:ext cx="271462" cy="729044"/>
+            <a:off x="10241280" y="6193536"/>
+            <a:ext cx="231661" cy="580012"/>
           </a:xfrm>
           <a:prstGeom prst="straightConnector1">
             <a:avLst/>
@@ -10946,7 +10880,7 @@
               <a:buNone/>
             </a:pPr>
             <a:r>
-              <a:rPr lang="en-US" sz="7600" u="none" strike="noStrike" cap="none">
+              <a:rPr lang="en-US" sz="7600" u="none" strike="noStrike" cap="none" dirty="0">
                 <a:solidFill>
                   <a:srgbClr val="FFFF00"/>
                 </a:solidFill>
@@ -11151,7 +11085,7 @@
         <p:spPr>
           <a:xfrm>
             <a:off x="7015699" y="2684830"/>
-            <a:ext cx="8515350" cy="4787999"/>
+            <a:ext cx="8943629" cy="4787999"/>
           </a:xfrm>
           <a:prstGeom prst="rect">
             <a:avLst/>
@@ -11555,7 +11489,7 @@
               <a:buNone/>
             </a:pPr>
             <a:r>
-              <a:rPr lang="en-US" sz="2400" b="1" i="0" u="none" strike="noStrike" cap="none" dirty="0" err="1">
+              <a:rPr lang="en-US" sz="2400" b="1" i="0" u="none" strike="noStrike" cap="none" dirty="0">
                 <a:solidFill>
                   <a:srgbClr val="FF7F00"/>
                 </a:solidFill>
@@ -11564,7 +11498,7 @@
                 <a:cs typeface="Courier New"/>
                 <a:sym typeface="Courier New"/>
               </a:rPr>
-              <a:t>jan</a:t>
+              <a:t>chuck</a:t>
             </a:r>
             <a:r>
               <a:rPr lang="en-US" sz="2400" b="1" i="0" u="none" strike="noStrike" cap="none" dirty="0">
@@ -11576,7 +11510,7 @@
                 <a:cs typeface="Courier New"/>
                 <a:sym typeface="Courier New"/>
               </a:rPr>
-              <a:t> 100</a:t>
+              <a:t> 1</a:t>
             </a:r>
           </a:p>
           <a:p>
@@ -11598,8 +11532,40 @@
               <a:buNone/>
             </a:pPr>
             <a:r>
+              <a:rPr lang="en-US" sz="2400" b="1" i="0" u="none" strike="noStrike" cap="none" dirty="0" err="1">
+                <a:solidFill>
+                  <a:srgbClr val="FF7F00"/>
+                </a:solidFill>
+                <a:latin typeface="Courier New"/>
+                <a:ea typeface="Courier New"/>
+                <a:cs typeface="Courier New"/>
+                <a:sym typeface="Courier New"/>
+              </a:rPr>
+              <a:t>fred</a:t>
+            </a:r>
+            <a:r>
               <a:rPr lang="en-US" sz="2400" b="1" i="0" u="none" strike="noStrike" cap="none" dirty="0">
                 <a:solidFill>
+                  <a:srgbClr val="FFFF00"/>
+                </a:solidFill>
+                <a:latin typeface="Courier New"/>
+                <a:ea typeface="Courier New"/>
+                <a:cs typeface="Courier New"/>
+                <a:sym typeface="Courier New"/>
+              </a:rPr>
+              <a:t> 42</a:t>
+            </a:r>
+          </a:p>
+          <a:p>
+            <a:pPr>
+              <a:buClr>
+                <a:srgbClr val="FF7F00"/>
+              </a:buClr>
+              <a:buSzPct val="25000"/>
+            </a:pPr>
+            <a:r>
+              <a:rPr lang="en-US" sz="2400" b="1" i="0" u="none" strike="noStrike" cap="none" dirty="0" err="1">
+                <a:solidFill>
                   <a:srgbClr val="FF7F00"/>
                 </a:solidFill>
                 <a:latin typeface="Courier New"/>
@@ -11607,7 +11573,7 @@
                 <a:cs typeface="Courier New"/>
                 <a:sym typeface="Courier New"/>
               </a:rPr>
-              <a:t>chuck</a:t>
+              <a:t>jan</a:t>
             </a:r>
             <a:r>
               <a:rPr lang="en-US" sz="2400" b="1" i="0" u="none" strike="noStrike" cap="none" dirty="0">
@@ -11619,7 +11585,7 @@
                 <a:cs typeface="Courier New"/>
                 <a:sym typeface="Courier New"/>
               </a:rPr>
-              <a:t> 1</a:t>
+              <a:t> 100</a:t>
             </a:r>
           </a:p>
           <a:p>
@@ -11640,30 +11606,15 @@
               <a:buFont typeface="Cabin"/>
               <a:buNone/>
             </a:pPr>
-            <a:r>
-              <a:rPr lang="en-US" sz="2400" b="1" i="0" u="none" strike="noStrike" cap="none" dirty="0" err="1">
-                <a:solidFill>
-                  <a:srgbClr val="FF7F00"/>
-                </a:solidFill>
-                <a:latin typeface="Courier New"/>
-                <a:ea typeface="Courier New"/>
-                <a:cs typeface="Courier New"/>
-                <a:sym typeface="Courier New"/>
-              </a:rPr>
-              <a:t>fred</a:t>
-            </a:r>
-            <a:r>
-              <a:rPr lang="en-US" sz="2400" b="1" i="0" u="none" strike="noStrike" cap="none" dirty="0">
-                <a:solidFill>
-                  <a:srgbClr val="FFFF00"/>
-                </a:solidFill>
-                <a:latin typeface="Courier New"/>
-                <a:ea typeface="Courier New"/>
-                <a:cs typeface="Courier New"/>
-                <a:sym typeface="Courier New"/>
-              </a:rPr>
-              <a:t> 42</a:t>
-            </a:r>
+            <a:endParaRPr lang="en-US" sz="2400" b="1" i="0" u="none" strike="noStrike" cap="none" dirty="0">
+              <a:solidFill>
+                <a:srgbClr val="FFFF00"/>
+              </a:solidFill>
+              <a:latin typeface="Courier New"/>
+              <a:ea typeface="Courier New"/>
+              <a:cs typeface="Courier New"/>
+              <a:sym typeface="Courier New"/>
+            </a:endParaRPr>
           </a:p>
           <a:p>
             <a:pPr marL="0" marR="0" lvl="0" indent="0" algn="l" rtl="0">
@@ -11726,7 +11677,7 @@
         </p:nvSpPr>
         <p:spPr>
           <a:xfrm>
-            <a:off x="12070300" y="5786760"/>
+            <a:off x="12070300" y="4957704"/>
             <a:ext cx="1495499" cy="622199"/>
           </a:xfrm>
           <a:prstGeom prst="rect">
@@ -11783,7 +11734,7 @@
         </p:nvSpPr>
         <p:spPr>
           <a:xfrm>
-            <a:off x="13861000" y="5774060"/>
+            <a:off x="13861000" y="4945004"/>
             <a:ext cx="368299" cy="647700"/>
           </a:xfrm>
           <a:prstGeom prst="rect">
@@ -11846,7 +11797,7 @@
         </p:nvSpPr>
         <p:spPr>
           <a:xfrm>
-            <a:off x="12357636" y="6612260"/>
+            <a:off x="12357636" y="5783204"/>
             <a:ext cx="1157400" cy="622199"/>
           </a:xfrm>
           <a:prstGeom prst="rect">
@@ -11903,7 +11854,7 @@
         </p:nvSpPr>
         <p:spPr>
           <a:xfrm>
-            <a:off x="13810200" y="6599560"/>
+            <a:off x="13810200" y="5770504"/>
             <a:ext cx="596900" cy="647700"/>
           </a:xfrm>
           <a:prstGeom prst="rect">
@@ -12089,7 +12040,7 @@
         </p:nvSpPr>
         <p:spPr>
           <a:xfrm>
-            <a:off x="12610050" y="4973960"/>
+            <a:off x="12556075" y="6669897"/>
             <a:ext cx="942900" cy="622199"/>
           </a:xfrm>
           <a:prstGeom prst="rect">
@@ -12146,7 +12097,7 @@
         </p:nvSpPr>
         <p:spPr>
           <a:xfrm>
-            <a:off x="13848300" y="4961260"/>
+            <a:off x="13794325" y="6657197"/>
             <a:ext cx="825499" cy="647700"/>
           </a:xfrm>
           <a:prstGeom prst="rect">
@@ -13571,7 +13522,7 @@
               <a:buNone/>
             </a:pPr>
             <a:r>
-              <a:rPr lang="en-US" sz="7600" u="none" strike="noStrike" cap="none">
+              <a:rPr lang="en-US" sz="7600" u="none" strike="noStrike" cap="none" dirty="0">
                 <a:solidFill>
                   <a:srgbClr val="FFFF00"/>
                 </a:solidFill>
@@ -13585,33 +13536,148 @@
           </a:p>
         </p:txBody>
       </p:sp>
-      <p:pic>
-        <p:nvPicPr>
-          <p:cNvPr id="495" name="Shape 495"/>
-          <p:cNvPicPr preferRelativeResize="0"/>
-          <p:nvPr/>
-        </p:nvPicPr>
-        <p:blipFill rotWithShape="1">
-          <a:blip r:embed="rId3">
-            <a:alphaModFix/>
-          </a:blip>
-          <a:srcRect/>
-          <a:stretch/>
-        </p:blipFill>
-        <p:spPr>
-          <a:xfrm>
-            <a:off x="1152525" y="2286000"/>
-            <a:ext cx="13935074" cy="6022974"/>
-          </a:xfrm>
-          <a:prstGeom prst="rect">
-            <a:avLst/>
-          </a:prstGeom>
-          <a:noFill/>
-          <a:ln>
-            <a:noFill/>
-          </a:ln>
-        </p:spPr>
-      </p:pic>
+      <p:sp>
+        <p:nvSpPr>
+          <p:cNvPr id="4" name="Content Placeholder 3">
+            <a:extLst>
+              <a:ext uri="{FF2B5EF4-FFF2-40B4-BE49-F238E27FC236}">
+                <a16:creationId xmlns:a16="http://schemas.microsoft.com/office/drawing/2014/main" id="{B4721CBD-C708-C5CF-925B-DE7124D3D6EC}"/>
+              </a:ext>
+            </a:extLst>
+          </p:cNvPr>
+          <p:cNvSpPr>
+            <a:spLocks noGrp="1"/>
+          </p:cNvSpPr>
+          <p:nvPr>
+            <p:ph idx="1"/>
+          </p:nvPr>
+        </p:nvSpPr>
+        <p:spPr/>
+        <p:txBody>
+          <a:bodyPr>
+            <a:normAutofit/>
+          </a:bodyPr>
+          <a:lstStyle/>
+          <a:p>
+            <a:pPr marL="857250" indent="-857250">
+              <a:buFont typeface="Arial" panose="020B0604020202020204" pitchFamily="34" charset="0"/>
+              <a:buChar char="•"/>
+            </a:pPr>
+            <a:r>
+              <a:rPr lang="en-US" sz="3600" dirty="0">
+                <a:solidFill>
+                  <a:schemeClr val="bg1"/>
+                </a:solidFill>
+                <a:latin typeface="Arial" panose="020B0604020202020204" pitchFamily="34" charset="0"/>
+                <a:cs typeface="Arial" panose="020B0604020202020204" pitchFamily="34" charset="0"/>
+              </a:rPr>
+              <a:t>What is a collection</a:t>
+            </a:r>
+          </a:p>
+          <a:p>
+            <a:pPr marL="857250" indent="-857250">
+              <a:buFont typeface="Arial" panose="020B0604020202020204" pitchFamily="34" charset="0"/>
+              <a:buChar char="•"/>
+            </a:pPr>
+            <a:r>
+              <a:rPr lang="en-US" sz="3600" dirty="0">
+                <a:solidFill>
+                  <a:schemeClr val="bg1"/>
+                </a:solidFill>
+                <a:latin typeface="Arial" panose="020B0604020202020204" pitchFamily="34" charset="0"/>
+                <a:cs typeface="Arial" panose="020B0604020202020204" pitchFamily="34" charset="0"/>
+              </a:rPr>
+              <a:t>Lists versus dictionaries</a:t>
+            </a:r>
+          </a:p>
+          <a:p>
+            <a:pPr marL="857250" indent="-857250">
+              <a:buFont typeface="Arial" panose="020B0604020202020204" pitchFamily="34" charset="0"/>
+              <a:buChar char="•"/>
+            </a:pPr>
+            <a:r>
+              <a:rPr lang="en-US" sz="3600" dirty="0">
+                <a:solidFill>
+                  <a:schemeClr val="bg1"/>
+                </a:solidFill>
+                <a:latin typeface="Arial" panose="020B0604020202020204" pitchFamily="34" charset="0"/>
+                <a:cs typeface="Arial" panose="020B0604020202020204" pitchFamily="34" charset="0"/>
+              </a:rPr>
+              <a:t>Dictionary Constants</a:t>
+            </a:r>
+          </a:p>
+          <a:p>
+            <a:pPr marL="857250" indent="-857250">
+              <a:buFont typeface="Arial" panose="020B0604020202020204" pitchFamily="34" charset="0"/>
+              <a:buChar char="•"/>
+            </a:pPr>
+            <a:r>
+              <a:rPr lang="en-US" sz="3600" dirty="0">
+                <a:solidFill>
+                  <a:schemeClr val="bg1"/>
+                </a:solidFill>
+                <a:latin typeface="Arial" panose="020B0604020202020204" pitchFamily="34" charset="0"/>
+                <a:cs typeface="Arial" panose="020B0604020202020204" pitchFamily="34" charset="0"/>
+              </a:rPr>
+              <a:t>The most common word</a:t>
+            </a:r>
+          </a:p>
+          <a:p>
+            <a:pPr marL="857250" indent="-857250">
+              <a:buFont typeface="Arial" panose="020B0604020202020204" pitchFamily="34" charset="0"/>
+              <a:buChar char="•"/>
+            </a:pPr>
+            <a:r>
+              <a:rPr lang="en-US" sz="3600" dirty="0">
+                <a:solidFill>
+                  <a:schemeClr val="bg1"/>
+                </a:solidFill>
+                <a:latin typeface="Arial" panose="020B0604020202020204" pitchFamily="34" charset="0"/>
+                <a:cs typeface="Arial" panose="020B0604020202020204" pitchFamily="34" charset="0"/>
+              </a:rPr>
+              <a:t>Using the get() method</a:t>
+            </a:r>
+          </a:p>
+          <a:p>
+            <a:pPr marL="857250" indent="-857250">
+              <a:buFont typeface="Arial" panose="020B0604020202020204" pitchFamily="34" charset="0"/>
+              <a:buChar char="•"/>
+            </a:pPr>
+            <a:r>
+              <a:rPr lang="en-US" sz="3600" dirty="0">
+                <a:solidFill>
+                  <a:schemeClr val="bg1"/>
+                </a:solidFill>
+                <a:latin typeface="Arial" panose="020B0604020202020204" pitchFamily="34" charset="0"/>
+                <a:cs typeface="Arial" panose="020B0604020202020204" pitchFamily="34" charset="0"/>
+              </a:rPr>
+              <a:t>Writing dictionary loops</a:t>
+            </a:r>
+          </a:p>
+          <a:p>
+            <a:pPr marL="857250" indent="-857250">
+              <a:buFont typeface="Arial" panose="020B0604020202020204" pitchFamily="34" charset="0"/>
+              <a:buChar char="•"/>
+            </a:pPr>
+            <a:r>
+              <a:rPr lang="en-US" sz="3600" dirty="0">
+                <a:solidFill>
+                  <a:schemeClr val="bg1"/>
+                </a:solidFill>
+                <a:latin typeface="Arial" panose="020B0604020202020204" pitchFamily="34" charset="0"/>
+                <a:cs typeface="Arial" panose="020B0604020202020204" pitchFamily="34" charset="0"/>
+              </a:rPr>
+              <a:t>Sneak peek: Tuples</a:t>
+            </a:r>
+          </a:p>
+          <a:p>
+            <a:endParaRPr lang="en-US" sz="3600" dirty="0">
+              <a:latin typeface="Arial" panose="020B0604020202020204" pitchFamily="34" charset="0"/>
+              <a:cs typeface="Arial" panose="020B0604020202020204" pitchFamily="34" charset="0"/>
+            </a:endParaRPr>
+          </a:p>
+        </p:txBody>
+      </p:sp>
     </p:spTree>
   </p:cSld>
   <p:clrMapOvr>
